--- a/CBDPP.pptx
+++ b/CBDPP.pptx
@@ -5,14 +5,16 @@
     <p:sldMasterId id="2147483648" r:id="rId1"/>
   </p:sldMasterIdLst>
   <p:notesMasterIdLst>
-    <p:notesMasterId r:id="rId7"/>
+    <p:notesMasterId r:id="rId9"/>
   </p:notesMasterIdLst>
   <p:sldIdLst>
     <p:sldId id="256" r:id="rId2"/>
     <p:sldId id="257" r:id="rId3"/>
-    <p:sldId id="258" r:id="rId4"/>
-    <p:sldId id="259" r:id="rId5"/>
-    <p:sldId id="260" r:id="rId6"/>
+    <p:sldId id="261" r:id="rId4"/>
+    <p:sldId id="258" r:id="rId5"/>
+    <p:sldId id="259" r:id="rId6"/>
+    <p:sldId id="260" r:id="rId7"/>
+    <p:sldId id="262" r:id="rId8"/>
   </p:sldIdLst>
   <p:sldSz cx="12192000" cy="6858000"/>
   <p:notesSz cx="6858000" cy="9144000"/>
@@ -111,6 +113,11 @@
       </a:defRPr>
     </a:lvl9pPr>
   </p:defaultTextStyle>
+  <p:extLst>
+    <p:ext uri="{EFAFB233-063F-42B5-8137-9DF3F51BA10A}">
+      <p15:sldGuideLst xmlns:p15="http://schemas.microsoft.com/office/powerpoint/2012/main"/>
+    </p:ext>
+  </p:extLst>
 </p:presentation>
 </file>
 
@@ -196,7 +203,7 @@
           <a:p>
             <a:fld id="{E83F16ED-BD26-490F-9641-E9081CFBBC07}" type="datetimeFigureOut">
               <a:rPr lang="en-US" smtClean="0"/>
-              <a:t>12/12/2016</a:t>
+              <a:t>12/13/2016</a:t>
             </a:fld>
             <a:endParaRPr lang="en-US"/>
           </a:p>
@@ -510,11 +517,11 @@
           <a:p>
             <a:r>
               <a:rPr lang="en-US" dirty="0" smtClean="0"/>
-              <a:t>Comparison</a:t>
+              <a:t>Discuss</a:t>
             </a:r>
             <a:r>
               <a:rPr lang="en-US" baseline="0" dirty="0" smtClean="0"/>
-              <a:t> to empirical results</a:t>
+              <a:t> the purpose and benefits of algorithm</a:t>
             </a:r>
             <a:endParaRPr lang="en-US" dirty="0"/>
           </a:p>
@@ -537,7 +544,7 @@
           <a:p>
             <a:fld id="{566C882D-9653-4EC7-A0E9-6165272F379A}" type="slidenum">
               <a:rPr lang="en-US" smtClean="0"/>
-              <a:t>4</a:t>
+              <a:t>3</a:t>
             </a:fld>
             <a:endParaRPr lang="en-US"/>
           </a:p>
@@ -546,7 +553,7 @@
     </p:spTree>
     <p:extLst>
       <p:ext uri="{BB962C8B-B14F-4D97-AF65-F5344CB8AC3E}">
-        <p14:creationId xmlns:p14="http://schemas.microsoft.com/office/powerpoint/2010/main" val="2845892699"/>
+        <p14:creationId xmlns:p14="http://schemas.microsoft.com/office/powerpoint/2010/main" val="2433081143"/>
       </p:ext>
     </p:extLst>
   </p:cSld>
@@ -602,6 +609,222 @@
           <a:p>
             <a:r>
               <a:rPr lang="en-US" dirty="0" smtClean="0"/>
+              <a:t>Descriptive proposal</a:t>
+            </a:r>
+          </a:p>
+          <a:p>
+            <a:r>
+              <a:rPr lang="en-US" dirty="0" smtClean="0"/>
+              <a:t>Mathematical algorithm analysis of worst case. Analysis is well done and correct. </a:t>
+            </a:r>
+          </a:p>
+          <a:p>
+            <a:r>
+              <a:rPr lang="en-US" dirty="0" smtClean="0"/>
+              <a:t>A clear discussion of the complexity analysis is included. </a:t>
+            </a:r>
+            <a:endParaRPr lang="en-US" dirty="0"/>
+          </a:p>
+        </p:txBody>
+      </p:sp>
+      <p:sp>
+        <p:nvSpPr>
+          <p:cNvPr id="4" name="Slide Number Placeholder 3"/>
+          <p:cNvSpPr>
+            <a:spLocks noGrp="1"/>
+          </p:cNvSpPr>
+          <p:nvPr>
+            <p:ph type="sldNum" sz="quarter" idx="10"/>
+          </p:nvPr>
+        </p:nvSpPr>
+        <p:spPr/>
+        <p:txBody>
+          <a:bodyPr/>
+          <a:lstStyle/>
+          <a:p>
+            <a:fld id="{566C882D-9653-4EC7-A0E9-6165272F379A}" type="slidenum">
+              <a:rPr lang="en-US" smtClean="0"/>
+              <a:t>4</a:t>
+            </a:fld>
+            <a:endParaRPr lang="en-US"/>
+          </a:p>
+        </p:txBody>
+      </p:sp>
+    </p:spTree>
+    <p:extLst>
+      <p:ext uri="{BB962C8B-B14F-4D97-AF65-F5344CB8AC3E}">
+        <p14:creationId xmlns:p14="http://schemas.microsoft.com/office/powerpoint/2010/main" val="3337890345"/>
+      </p:ext>
+    </p:extLst>
+  </p:cSld>
+  <p:clrMapOvr>
+    <a:masterClrMapping/>
+  </p:clrMapOvr>
+</p:notes>
+</file>
+
+<file path=ppt/notesSlides/notesSlide3.xml><?xml version="1.0" encoding="utf-8"?>
+<p:notes xmlns:a="http://schemas.openxmlformats.org/drawingml/2006/main" xmlns:r="http://schemas.openxmlformats.org/officeDocument/2006/relationships" xmlns:p="http://schemas.openxmlformats.org/presentationml/2006/main">
+  <p:cSld>
+    <p:spTree>
+      <p:nvGrpSpPr>
+        <p:cNvPr id="1" name=""/>
+        <p:cNvGrpSpPr/>
+        <p:nvPr/>
+      </p:nvGrpSpPr>
+      <p:grpSpPr>
+        <a:xfrm>
+          <a:off x="0" y="0"/>
+          <a:ext cx="0" cy="0"/>
+          <a:chOff x="0" y="0"/>
+          <a:chExt cx="0" cy="0"/>
+        </a:xfrm>
+      </p:grpSpPr>
+      <p:sp>
+        <p:nvSpPr>
+          <p:cNvPr id="2" name="Slide Image Placeholder 1"/>
+          <p:cNvSpPr>
+            <a:spLocks noGrp="1" noRot="1" noChangeAspect="1"/>
+          </p:cNvSpPr>
+          <p:nvPr>
+            <p:ph type="sldImg"/>
+          </p:nvPr>
+        </p:nvSpPr>
+        <p:spPr/>
+      </p:sp>
+      <p:sp>
+        <p:nvSpPr>
+          <p:cNvPr id="3" name="Notes Placeholder 2"/>
+          <p:cNvSpPr>
+            <a:spLocks noGrp="1"/>
+          </p:cNvSpPr>
+          <p:nvPr>
+            <p:ph type="body" idx="1"/>
+          </p:nvPr>
+        </p:nvSpPr>
+        <p:spPr/>
+        <p:txBody>
+          <a:bodyPr/>
+          <a:lstStyle/>
+          <a:p>
+            <a:r>
+              <a:rPr lang="en-US" dirty="0" smtClean="0"/>
+              <a:t>Comparison</a:t>
+            </a:r>
+            <a:r>
+              <a:rPr lang="en-US" baseline="0" dirty="0" smtClean="0"/>
+              <a:t> to empirical </a:t>
+            </a:r>
+            <a:r>
+              <a:rPr lang="en-US" baseline="0" dirty="0" smtClean="0"/>
+              <a:t>results</a:t>
+            </a:r>
+          </a:p>
+          <a:p>
+            <a:r>
+              <a:rPr lang="en-US" dirty="0" smtClean="0"/>
+              <a:t>An adequate to extensive</a:t>
+            </a:r>
+            <a:r>
+              <a:rPr lang="en-US" baseline="0" dirty="0" smtClean="0"/>
+              <a:t> </a:t>
+            </a:r>
+            <a:r>
+              <a:rPr lang="en-US" dirty="0" smtClean="0"/>
+              <a:t>comparison between the theoretical analysis of the program and both of the empirical run time and space time efficiency of the program</a:t>
+            </a:r>
+          </a:p>
+          <a:p>
+            <a:r>
+              <a:rPr lang="en-US" dirty="0" smtClean="0"/>
+              <a:t>Excellent discussion of how the theoretical / empirical data match or mismatch and why</a:t>
+            </a:r>
+            <a:endParaRPr lang="en-US" dirty="0"/>
+          </a:p>
+        </p:txBody>
+      </p:sp>
+      <p:sp>
+        <p:nvSpPr>
+          <p:cNvPr id="4" name="Slide Number Placeholder 3"/>
+          <p:cNvSpPr>
+            <a:spLocks noGrp="1"/>
+          </p:cNvSpPr>
+          <p:nvPr>
+            <p:ph type="sldNum" sz="quarter" idx="10"/>
+          </p:nvPr>
+        </p:nvSpPr>
+        <p:spPr/>
+        <p:txBody>
+          <a:bodyPr/>
+          <a:lstStyle/>
+          <a:p>
+            <a:fld id="{566C882D-9653-4EC7-A0E9-6165272F379A}" type="slidenum">
+              <a:rPr lang="en-US" smtClean="0"/>
+              <a:t>5</a:t>
+            </a:fld>
+            <a:endParaRPr lang="en-US"/>
+          </a:p>
+        </p:txBody>
+      </p:sp>
+    </p:spTree>
+    <p:extLst>
+      <p:ext uri="{BB962C8B-B14F-4D97-AF65-F5344CB8AC3E}">
+        <p14:creationId xmlns:p14="http://schemas.microsoft.com/office/powerpoint/2010/main" val="2845892699"/>
+      </p:ext>
+    </p:extLst>
+  </p:cSld>
+  <p:clrMapOvr>
+    <a:masterClrMapping/>
+  </p:clrMapOvr>
+</p:notes>
+</file>
+
+<file path=ppt/notesSlides/notesSlide4.xml><?xml version="1.0" encoding="utf-8"?>
+<p:notes xmlns:a="http://schemas.openxmlformats.org/drawingml/2006/main" xmlns:r="http://schemas.openxmlformats.org/officeDocument/2006/relationships" xmlns:p="http://schemas.openxmlformats.org/presentationml/2006/main">
+  <p:cSld>
+    <p:spTree>
+      <p:nvGrpSpPr>
+        <p:cNvPr id="1" name=""/>
+        <p:cNvGrpSpPr/>
+        <p:nvPr/>
+      </p:nvGrpSpPr>
+      <p:grpSpPr>
+        <a:xfrm>
+          <a:off x="0" y="0"/>
+          <a:ext cx="0" cy="0"/>
+          <a:chOff x="0" y="0"/>
+          <a:chExt cx="0" cy="0"/>
+        </a:xfrm>
+      </p:grpSpPr>
+      <p:sp>
+        <p:nvSpPr>
+          <p:cNvPr id="2" name="Slide Image Placeholder 1"/>
+          <p:cNvSpPr>
+            <a:spLocks noGrp="1" noRot="1" noChangeAspect="1"/>
+          </p:cNvSpPr>
+          <p:nvPr>
+            <p:ph type="sldImg"/>
+          </p:nvPr>
+        </p:nvSpPr>
+        <p:spPr/>
+      </p:sp>
+      <p:sp>
+        <p:nvSpPr>
+          <p:cNvPr id="3" name="Notes Placeholder 2"/>
+          <p:cNvSpPr>
+            <a:spLocks noGrp="1"/>
+          </p:cNvSpPr>
+          <p:nvPr>
+            <p:ph type="body" idx="1"/>
+          </p:nvPr>
+        </p:nvSpPr>
+        <p:spPr/>
+        <p:txBody>
+          <a:bodyPr/>
+          <a:lstStyle/>
+          <a:p>
+            <a:r>
+              <a:rPr lang="en-US" dirty="0" smtClean="0"/>
               <a:t>Link project demo to this slide</a:t>
             </a:r>
             <a:endParaRPr lang="en-US" dirty="0"/>
@@ -625,7 +848,7 @@
           <a:p>
             <a:fld id="{566C882D-9653-4EC7-A0E9-6165272F379A}" type="slidenum">
               <a:rPr lang="en-US" smtClean="0"/>
-              <a:t>5</a:t>
+              <a:t>6</a:t>
             </a:fld>
             <a:endParaRPr lang="en-US"/>
           </a:p>
@@ -775,7 +998,7 @@
           <a:p>
             <a:fld id="{6E073238-8BCD-45EA-85DD-83D7EAA80DC4}" type="datetimeFigureOut">
               <a:rPr lang="en-US" smtClean="0"/>
-              <a:t>12/12/2016</a:t>
+              <a:t>12/13/2016</a:t>
             </a:fld>
             <a:endParaRPr lang="en-US"/>
           </a:p>
@@ -945,7 +1168,7 @@
           <a:p>
             <a:fld id="{6E073238-8BCD-45EA-85DD-83D7EAA80DC4}" type="datetimeFigureOut">
               <a:rPr lang="en-US" smtClean="0"/>
-              <a:t>12/12/2016</a:t>
+              <a:t>12/13/2016</a:t>
             </a:fld>
             <a:endParaRPr lang="en-US"/>
           </a:p>
@@ -1125,7 +1348,7 @@
           <a:p>
             <a:fld id="{6E073238-8BCD-45EA-85DD-83D7EAA80DC4}" type="datetimeFigureOut">
               <a:rPr lang="en-US" smtClean="0"/>
-              <a:t>12/12/2016</a:t>
+              <a:t>12/13/2016</a:t>
             </a:fld>
             <a:endParaRPr lang="en-US"/>
           </a:p>
@@ -1295,7 +1518,7 @@
           <a:p>
             <a:fld id="{6E073238-8BCD-45EA-85DD-83D7EAA80DC4}" type="datetimeFigureOut">
               <a:rPr lang="en-US" smtClean="0"/>
-              <a:t>12/12/2016</a:t>
+              <a:t>12/13/2016</a:t>
             </a:fld>
             <a:endParaRPr lang="en-US"/>
           </a:p>
@@ -1541,7 +1764,7 @@
           <a:p>
             <a:fld id="{6E073238-8BCD-45EA-85DD-83D7EAA80DC4}" type="datetimeFigureOut">
               <a:rPr lang="en-US" smtClean="0"/>
-              <a:t>12/12/2016</a:t>
+              <a:t>12/13/2016</a:t>
             </a:fld>
             <a:endParaRPr lang="en-US"/>
           </a:p>
@@ -1773,7 +1996,7 @@
           <a:p>
             <a:fld id="{6E073238-8BCD-45EA-85DD-83D7EAA80DC4}" type="datetimeFigureOut">
               <a:rPr lang="en-US" smtClean="0"/>
-              <a:t>12/12/2016</a:t>
+              <a:t>12/13/2016</a:t>
             </a:fld>
             <a:endParaRPr lang="en-US"/>
           </a:p>
@@ -2140,7 +2363,7 @@
           <a:p>
             <a:fld id="{6E073238-8BCD-45EA-85DD-83D7EAA80DC4}" type="datetimeFigureOut">
               <a:rPr lang="en-US" smtClean="0"/>
-              <a:t>12/12/2016</a:t>
+              <a:t>12/13/2016</a:t>
             </a:fld>
             <a:endParaRPr lang="en-US"/>
           </a:p>
@@ -2258,7 +2481,7 @@
           <a:p>
             <a:fld id="{6E073238-8BCD-45EA-85DD-83D7EAA80DC4}" type="datetimeFigureOut">
               <a:rPr lang="en-US" smtClean="0"/>
-              <a:t>12/12/2016</a:t>
+              <a:t>12/13/2016</a:t>
             </a:fld>
             <a:endParaRPr lang="en-US"/>
           </a:p>
@@ -2353,7 +2576,7 @@
           <a:p>
             <a:fld id="{6E073238-8BCD-45EA-85DD-83D7EAA80DC4}" type="datetimeFigureOut">
               <a:rPr lang="en-US" smtClean="0"/>
-              <a:t>12/12/2016</a:t>
+              <a:t>12/13/2016</a:t>
             </a:fld>
             <a:endParaRPr lang="en-US"/>
           </a:p>
@@ -2630,7 +2853,7 @@
           <a:p>
             <a:fld id="{6E073238-8BCD-45EA-85DD-83D7EAA80DC4}" type="datetimeFigureOut">
               <a:rPr lang="en-US" smtClean="0"/>
-              <a:t>12/12/2016</a:t>
+              <a:t>12/13/2016</a:t>
             </a:fld>
             <a:endParaRPr lang="en-US"/>
           </a:p>
@@ -2883,7 +3106,7 @@
           <a:p>
             <a:fld id="{6E073238-8BCD-45EA-85DD-83D7EAA80DC4}" type="datetimeFigureOut">
               <a:rPr lang="en-US" smtClean="0"/>
-              <a:t>12/12/2016</a:t>
+              <a:t>12/13/2016</a:t>
             </a:fld>
             <a:endParaRPr lang="en-US"/>
           </a:p>
@@ -3096,7 +3319,7 @@
           <a:p>
             <a:fld id="{6E073238-8BCD-45EA-85DD-83D7EAA80DC4}" type="datetimeFigureOut">
               <a:rPr lang="en-US" smtClean="0"/>
-              <a:t>12/12/2016</a:t>
+              <a:t>12/13/2016</a:t>
             </a:fld>
             <a:endParaRPr lang="en-US"/>
           </a:p>
@@ -3631,10 +3854,47 @@
         </p:nvSpPr>
         <p:spPr/>
         <p:txBody>
-          <a:bodyPr/>
-          <a:lstStyle/>
-          <a:p>
+          <a:bodyPr>
+            <a:normAutofit/>
+          </a:bodyPr>
+          <a:lstStyle/>
+          <a:p>
+            <a:pPr marL="0" indent="0">
+              <a:buNone/>
+            </a:pPr>
+            <a:r>
+              <a:rPr lang="en-US" b="1" dirty="0" smtClean="0"/>
+              <a:t>Strange Version Of Nearest Neighbor</a:t>
+            </a:r>
+          </a:p>
+          <a:p>
+            <a:r>
+              <a:rPr lang="en-US" dirty="0"/>
+              <a:t>F</a:t>
+            </a:r>
+            <a:r>
+              <a:rPr lang="en-US" dirty="0" smtClean="0"/>
+              <a:t>ind the 18 nearest neighbors to Whitworth University and add each one to a different bus</a:t>
+            </a:r>
+          </a:p>
+          <a:p>
+            <a:r>
+              <a:rPr lang="en-US" dirty="0" smtClean="0"/>
+              <a:t>Take the most recently added bus location and find the nearest unvisited neighbor</a:t>
+            </a:r>
+          </a:p>
+          <a:p>
+            <a:r>
+              <a:rPr lang="en-US" dirty="0" smtClean="0"/>
+              <a:t>Continue until all groups have been placed on a bus</a:t>
+            </a:r>
             <a:endParaRPr lang="en-US" dirty="0"/>
+          </a:p>
+          <a:p>
+            <a:pPr marL="0" indent="0">
+              <a:buNone/>
+            </a:pPr>
+            <a:endParaRPr lang="en-US" dirty="0" smtClean="0"/>
           </a:p>
         </p:txBody>
       </p:sp>
@@ -3685,7 +3945,7 @@
           <a:p>
             <a:r>
               <a:rPr lang="en-US" dirty="0" smtClean="0"/>
-              <a:t>Algorithm Analysis</a:t>
+              <a:t>Benefits</a:t>
             </a:r>
             <a:endParaRPr lang="en-US" dirty="0"/>
           </a:p>
@@ -3706,14 +3966,14 @@
           <a:bodyPr/>
           <a:lstStyle/>
           <a:p>
-            <a:endParaRPr lang="en-US"/>
+            <a:endParaRPr lang="en-US" dirty="0"/>
           </a:p>
         </p:txBody>
       </p:sp>
     </p:spTree>
     <p:extLst>
       <p:ext uri="{BB962C8B-B14F-4D97-AF65-F5344CB8AC3E}">
-        <p14:creationId xmlns:p14="http://schemas.microsoft.com/office/powerpoint/2010/main" val="1236903666"/>
+        <p14:creationId xmlns:p14="http://schemas.microsoft.com/office/powerpoint/2010/main" val="1058976592"/>
       </p:ext>
     </p:extLst>
   </p:cSld>
@@ -3757,7 +4017,7 @@
           <a:p>
             <a:r>
               <a:rPr lang="en-US" dirty="0" smtClean="0"/>
-              <a:t>Algorithm Comparison</a:t>
+              <a:t>Algorithm Analysis</a:t>
             </a:r>
             <a:endParaRPr lang="en-US" dirty="0"/>
           </a:p>
@@ -3778,14 +4038,14 @@
           <a:bodyPr/>
           <a:lstStyle/>
           <a:p>
-            <a:endParaRPr lang="en-US"/>
+            <a:endParaRPr lang="en-US" dirty="0"/>
           </a:p>
         </p:txBody>
       </p:sp>
     </p:spTree>
     <p:extLst>
       <p:ext uri="{BB962C8B-B14F-4D97-AF65-F5344CB8AC3E}">
-        <p14:creationId xmlns:p14="http://schemas.microsoft.com/office/powerpoint/2010/main" val="2731326965"/>
+        <p14:creationId xmlns:p14="http://schemas.microsoft.com/office/powerpoint/2010/main" val="1236903666"/>
       </p:ext>
     </p:extLst>
   </p:cSld>
@@ -3829,6 +4089,78 @@
           <a:p>
             <a:r>
               <a:rPr lang="en-US" dirty="0" smtClean="0"/>
+              <a:t>Algorithm Comparison</a:t>
+            </a:r>
+            <a:endParaRPr lang="en-US" dirty="0"/>
+          </a:p>
+        </p:txBody>
+      </p:sp>
+      <p:sp>
+        <p:nvSpPr>
+          <p:cNvPr id="3" name="Content Placeholder 2"/>
+          <p:cNvSpPr>
+            <a:spLocks noGrp="1"/>
+          </p:cNvSpPr>
+          <p:nvPr>
+            <p:ph idx="1"/>
+          </p:nvPr>
+        </p:nvSpPr>
+        <p:spPr/>
+        <p:txBody>
+          <a:bodyPr/>
+          <a:lstStyle/>
+          <a:p>
+            <a:endParaRPr lang="en-US"/>
+          </a:p>
+        </p:txBody>
+      </p:sp>
+    </p:spTree>
+    <p:extLst>
+      <p:ext uri="{BB962C8B-B14F-4D97-AF65-F5344CB8AC3E}">
+        <p14:creationId xmlns:p14="http://schemas.microsoft.com/office/powerpoint/2010/main" val="2731326965"/>
+      </p:ext>
+    </p:extLst>
+  </p:cSld>
+  <p:clrMapOvr>
+    <a:masterClrMapping/>
+  </p:clrMapOvr>
+</p:sld>
+</file>
+
+<file path=ppt/slides/slide6.xml><?xml version="1.0" encoding="utf-8"?>
+<p:sld xmlns:a="http://schemas.openxmlformats.org/drawingml/2006/main" xmlns:r="http://schemas.openxmlformats.org/officeDocument/2006/relationships" xmlns:p="http://schemas.openxmlformats.org/presentationml/2006/main">
+  <p:cSld>
+    <p:spTree>
+      <p:nvGrpSpPr>
+        <p:cNvPr id="1" name=""/>
+        <p:cNvGrpSpPr/>
+        <p:nvPr/>
+      </p:nvGrpSpPr>
+      <p:grpSpPr>
+        <a:xfrm>
+          <a:off x="0" y="0"/>
+          <a:ext cx="0" cy="0"/>
+          <a:chOff x="0" y="0"/>
+          <a:chExt cx="0" cy="0"/>
+        </a:xfrm>
+      </p:grpSpPr>
+      <p:sp>
+        <p:nvSpPr>
+          <p:cNvPr id="2" name="Title 1"/>
+          <p:cNvSpPr>
+            <a:spLocks noGrp="1"/>
+          </p:cNvSpPr>
+          <p:nvPr>
+            <p:ph type="title"/>
+          </p:nvPr>
+        </p:nvSpPr>
+        <p:spPr/>
+        <p:txBody>
+          <a:bodyPr/>
+          <a:lstStyle/>
+          <a:p>
+            <a:r>
+              <a:rPr lang="en-US" dirty="0" smtClean="0"/>
               <a:t>Demo</a:t>
             </a:r>
             <a:endParaRPr lang="en-US" dirty="0"/>
@@ -4265,7 +4597,7 @@
             </a:r>
             <a:r>
               <a:rPr lang="en-US" dirty="0" smtClean="0"/>
-              <a:t>  </a:t>
+              <a:t> </a:t>
             </a:r>
             <a:r>
               <a:rPr lang="en-US" dirty="0" err="1" smtClean="0"/>
@@ -4625,6 +4957,108 @@
     <p:extLst>
       <p:ext uri="{BB962C8B-B14F-4D97-AF65-F5344CB8AC3E}">
         <p14:creationId xmlns:p14="http://schemas.microsoft.com/office/powerpoint/2010/main" val="2697783513"/>
+      </p:ext>
+    </p:extLst>
+  </p:cSld>
+  <p:clrMapOvr>
+    <a:masterClrMapping/>
+  </p:clrMapOvr>
+</p:sld>
+</file>
+
+<file path=ppt/slides/slide7.xml><?xml version="1.0" encoding="utf-8"?>
+<p:sld xmlns:a="http://schemas.openxmlformats.org/drawingml/2006/main" xmlns:r="http://schemas.openxmlformats.org/officeDocument/2006/relationships" xmlns:p="http://schemas.openxmlformats.org/presentationml/2006/main">
+  <p:cSld>
+    <p:spTree>
+      <p:nvGrpSpPr>
+        <p:cNvPr id="1" name=""/>
+        <p:cNvGrpSpPr/>
+        <p:nvPr/>
+      </p:nvGrpSpPr>
+      <p:grpSpPr>
+        <a:xfrm>
+          <a:off x="0" y="0"/>
+          <a:ext cx="0" cy="0"/>
+          <a:chOff x="0" y="0"/>
+          <a:chExt cx="0" cy="0"/>
+        </a:xfrm>
+      </p:grpSpPr>
+      <p:sp>
+        <p:nvSpPr>
+          <p:cNvPr id="2" name="Title 1"/>
+          <p:cNvSpPr>
+            <a:spLocks noGrp="1"/>
+          </p:cNvSpPr>
+          <p:nvPr>
+            <p:ph type="title"/>
+          </p:nvPr>
+        </p:nvSpPr>
+        <p:spPr/>
+        <p:txBody>
+          <a:bodyPr/>
+          <a:lstStyle/>
+          <a:p>
+            <a:r>
+              <a:rPr lang="en-US" dirty="0" smtClean="0"/>
+              <a:t>Future Improvements</a:t>
+            </a:r>
+            <a:endParaRPr lang="en-US" dirty="0"/>
+          </a:p>
+        </p:txBody>
+      </p:sp>
+      <p:sp>
+        <p:nvSpPr>
+          <p:cNvPr id="3" name="Content Placeholder 2"/>
+          <p:cNvSpPr>
+            <a:spLocks noGrp="1"/>
+          </p:cNvSpPr>
+          <p:nvPr>
+            <p:ph idx="1"/>
+          </p:nvPr>
+        </p:nvSpPr>
+        <p:spPr/>
+        <p:txBody>
+          <a:bodyPr/>
+          <a:lstStyle/>
+          <a:p>
+            <a:r>
+              <a:rPr lang="en-US" dirty="0"/>
+              <a:t>Find groups going to the same location and place them on a bus together</a:t>
+            </a:r>
+          </a:p>
+          <a:p>
+            <a:pPr lvl="1"/>
+            <a:r>
+              <a:rPr lang="en-US" dirty="0"/>
+              <a:t>If that bus is full then that bus becomes </a:t>
+            </a:r>
+            <a:r>
+              <a:rPr lang="en-US" dirty="0" smtClean="0"/>
+              <a:t>unavailable</a:t>
+            </a:r>
+          </a:p>
+          <a:p>
+            <a:r>
+              <a:rPr lang="en-US" dirty="0" smtClean="0"/>
+              <a:t>Not running out of queries every day</a:t>
+            </a:r>
+          </a:p>
+          <a:p>
+            <a:r>
+              <a:rPr lang="en-US" dirty="0" smtClean="0"/>
+              <a:t>Do some research of the algorithm before attempting to implement something way outside of your knowledge and understanding of the universe</a:t>
+            </a:r>
+            <a:endParaRPr lang="en-US" dirty="0"/>
+          </a:p>
+          <a:p>
+            <a:endParaRPr lang="en-US" dirty="0"/>
+          </a:p>
+        </p:txBody>
+      </p:sp>
+    </p:spTree>
+    <p:extLst>
+      <p:ext uri="{BB962C8B-B14F-4D97-AF65-F5344CB8AC3E}">
+        <p14:creationId xmlns:p14="http://schemas.microsoft.com/office/powerpoint/2010/main" val="3711222560"/>
       </p:ext>
     </p:extLst>
   </p:cSld>
